--- a/pockels rotations contrast figure/pockels-rotations.pptx
+++ b/pockels rotations contrast figure/pockels-rotations.pptx
@@ -104,6 +104,11 @@
       </a:defRPr>
     </a:lvl9pPr>
   </p:defaultTextStyle>
+  <p:extLst>
+    <p:ext uri="{EFAFB233-063F-42B5-8137-9DF3F51BA10A}">
+      <p15:sldGuideLst xmlns:p15="http://schemas.microsoft.com/office/powerpoint/2012/main"/>
+    </p:ext>
+  </p:extLst>
 </p:presentation>
 </file>
 
@@ -260,31 +265,31 @@
                 <c:formatCode>General</c:formatCode>
                 <c:ptCount val="9"/>
                 <c:pt idx="0">
-                  <c:v>0.5</c:v>
+                  <c:v>0.6</c:v>
                 </c:pt>
                 <c:pt idx="1">
-                  <c:v>0.5</c:v>
+                  <c:v>0.6</c:v>
                 </c:pt>
                 <c:pt idx="2">
-                  <c:v>0.5</c:v>
+                  <c:v>0.13</c:v>
                 </c:pt>
                 <c:pt idx="3">
-                  <c:v>0.5</c:v>
+                  <c:v>0.84379999999999999</c:v>
                 </c:pt>
                 <c:pt idx="4">
-                  <c:v>0.5</c:v>
+                  <c:v>0.89459999999999995</c:v>
                 </c:pt>
                 <c:pt idx="5">
-                  <c:v>0.5</c:v>
+                  <c:v>0.80269999999999997</c:v>
                 </c:pt>
                 <c:pt idx="6">
-                  <c:v>0.5</c:v>
+                  <c:v>0.78</c:v>
                 </c:pt>
                 <c:pt idx="7">
-                  <c:v>0.5</c:v>
+                  <c:v>0.67</c:v>
                 </c:pt>
                 <c:pt idx="8">
-                  <c:v>0.5</c:v>
+                  <c:v>0.79</c:v>
                 </c:pt>
               </c:numCache>
             </c:numRef>
@@ -374,31 +379,31 @@
                 <c:formatCode>General</c:formatCode>
                 <c:ptCount val="9"/>
                 <c:pt idx="0">
-                  <c:v>0.92</c:v>
+                  <c:v>0.78</c:v>
                 </c:pt>
                 <c:pt idx="1">
-                  <c:v>0.56999999999999995</c:v>
+                  <c:v>0.6</c:v>
                 </c:pt>
                 <c:pt idx="2">
-                  <c:v>0.82</c:v>
+                  <c:v>0.2</c:v>
                 </c:pt>
                 <c:pt idx="3">
-                  <c:v>0.98</c:v>
+                  <c:v>0.99680000000000002</c:v>
                 </c:pt>
                 <c:pt idx="4">
-                  <c:v>0.95</c:v>
+                  <c:v>0.97570000000000001</c:v>
                 </c:pt>
                 <c:pt idx="5">
                   <c:v>1</c:v>
                 </c:pt>
                 <c:pt idx="6">
-                  <c:v>0.5</c:v>
+                  <c:v>0.99680000000000002</c:v>
                 </c:pt>
                 <c:pt idx="7">
-                  <c:v>0.5</c:v>
+                  <c:v>0.97570000000000001</c:v>
                 </c:pt>
                 <c:pt idx="8">
-                  <c:v>0.5</c:v>
+                  <c:v>1</c:v>
                 </c:pt>
               </c:numCache>
             </c:numRef>
@@ -488,31 +493,31 @@
                 <c:formatCode>General</c:formatCode>
                 <c:ptCount val="9"/>
                 <c:pt idx="0">
-                  <c:v>0.5</c:v>
+                  <c:v>0.56000000000000005</c:v>
                 </c:pt>
                 <c:pt idx="1">
-                  <c:v>0.5</c:v>
+                  <c:v>0.64</c:v>
                 </c:pt>
                 <c:pt idx="2">
-                  <c:v>0.5</c:v>
+                  <c:v>0.14000000000000001</c:v>
                 </c:pt>
                 <c:pt idx="3">
-                  <c:v>0.5</c:v>
+                  <c:v>0.94059999999999999</c:v>
                 </c:pt>
                 <c:pt idx="4">
-                  <c:v>0.5</c:v>
+                  <c:v>0.96799999999999997</c:v>
                 </c:pt>
                 <c:pt idx="5">
-                  <c:v>0.5</c:v>
+                  <c:v>0.95279999999999998</c:v>
                 </c:pt>
                 <c:pt idx="6">
-                  <c:v>0.5</c:v>
+                  <c:v>0.94</c:v>
                 </c:pt>
                 <c:pt idx="7">
-                  <c:v>0.5</c:v>
+                  <c:v>0.81</c:v>
                 </c:pt>
                 <c:pt idx="8">
-                  <c:v>0.5</c:v>
+                  <c:v>0.95</c:v>
                 </c:pt>
               </c:numCache>
             </c:numRef>
@@ -1457,7 +1462,7 @@
           <a:p>
             <a:fld id="{7B2E4223-C3C8-436A-A528-F8332768A524}" type="datetimeFigureOut">
               <a:rPr lang="en-GB" smtClean="0"/>
-              <a:t>30/10/2018</a:t>
+              <a:t>04/11/2018</a:t>
             </a:fld>
             <a:endParaRPr lang="en-GB"/>
           </a:p>
@@ -1627,7 +1632,7 @@
           <a:p>
             <a:fld id="{7B2E4223-C3C8-436A-A528-F8332768A524}" type="datetimeFigureOut">
               <a:rPr lang="en-GB" smtClean="0"/>
-              <a:t>30/10/2018</a:t>
+              <a:t>04/11/2018</a:t>
             </a:fld>
             <a:endParaRPr lang="en-GB"/>
           </a:p>
@@ -1807,7 +1812,7 @@
           <a:p>
             <a:fld id="{7B2E4223-C3C8-436A-A528-F8332768A524}" type="datetimeFigureOut">
               <a:rPr lang="en-GB" smtClean="0"/>
-              <a:t>30/10/2018</a:t>
+              <a:t>04/11/2018</a:t>
             </a:fld>
             <a:endParaRPr lang="en-GB"/>
           </a:p>
@@ -1977,7 +1982,7 @@
           <a:p>
             <a:fld id="{7B2E4223-C3C8-436A-A528-F8332768A524}" type="datetimeFigureOut">
               <a:rPr lang="en-GB" smtClean="0"/>
-              <a:t>30/10/2018</a:t>
+              <a:t>04/11/2018</a:t>
             </a:fld>
             <a:endParaRPr lang="en-GB"/>
           </a:p>
@@ -2223,7 +2228,7 @@
           <a:p>
             <a:fld id="{7B2E4223-C3C8-436A-A528-F8332768A524}" type="datetimeFigureOut">
               <a:rPr lang="en-GB" smtClean="0"/>
-              <a:t>30/10/2018</a:t>
+              <a:t>04/11/2018</a:t>
             </a:fld>
             <a:endParaRPr lang="en-GB"/>
           </a:p>
@@ -2455,7 +2460,7 @@
           <a:p>
             <a:fld id="{7B2E4223-C3C8-436A-A528-F8332768A524}" type="datetimeFigureOut">
               <a:rPr lang="en-GB" smtClean="0"/>
-              <a:t>30/10/2018</a:t>
+              <a:t>04/11/2018</a:t>
             </a:fld>
             <a:endParaRPr lang="en-GB"/>
           </a:p>
@@ -2822,7 +2827,7 @@
           <a:p>
             <a:fld id="{7B2E4223-C3C8-436A-A528-F8332768A524}" type="datetimeFigureOut">
               <a:rPr lang="en-GB" smtClean="0"/>
-              <a:t>30/10/2018</a:t>
+              <a:t>04/11/2018</a:t>
             </a:fld>
             <a:endParaRPr lang="en-GB"/>
           </a:p>
@@ -2940,7 +2945,7 @@
           <a:p>
             <a:fld id="{7B2E4223-C3C8-436A-A528-F8332768A524}" type="datetimeFigureOut">
               <a:rPr lang="en-GB" smtClean="0"/>
-              <a:t>30/10/2018</a:t>
+              <a:t>04/11/2018</a:t>
             </a:fld>
             <a:endParaRPr lang="en-GB"/>
           </a:p>
@@ -3035,7 +3040,7 @@
           <a:p>
             <a:fld id="{7B2E4223-C3C8-436A-A528-F8332768A524}" type="datetimeFigureOut">
               <a:rPr lang="en-GB" smtClean="0"/>
-              <a:t>30/10/2018</a:t>
+              <a:t>04/11/2018</a:t>
             </a:fld>
             <a:endParaRPr lang="en-GB"/>
           </a:p>
@@ -3312,7 +3317,7 @@
           <a:p>
             <a:fld id="{7B2E4223-C3C8-436A-A528-F8332768A524}" type="datetimeFigureOut">
               <a:rPr lang="en-GB" smtClean="0"/>
-              <a:t>30/10/2018</a:t>
+              <a:t>04/11/2018</a:t>
             </a:fld>
             <a:endParaRPr lang="en-GB"/>
           </a:p>
@@ -3569,7 +3574,7 @@
           <a:p>
             <a:fld id="{7B2E4223-C3C8-436A-A528-F8332768A524}" type="datetimeFigureOut">
               <a:rPr lang="en-GB" smtClean="0"/>
-              <a:t>30/10/2018</a:t>
+              <a:t>04/11/2018</a:t>
             </a:fld>
             <a:endParaRPr lang="en-GB"/>
           </a:p>
@@ -3782,7 +3787,7 @@
           <a:p>
             <a:fld id="{7B2E4223-C3C8-436A-A528-F8332768A524}" type="datetimeFigureOut">
               <a:rPr lang="en-GB" smtClean="0"/>
-              <a:t>30/10/2018</a:t>
+              <a:t>04/11/2018</a:t>
             </a:fld>
             <a:endParaRPr lang="en-GB"/>
           </a:p>
@@ -4202,7 +4207,7 @@
           <p:nvPr>
             <p:extLst>
               <p:ext uri="{D42A27DB-BD31-4B8C-83A1-F6EECF244321}">
-                <p14:modId xmlns:p14="http://schemas.microsoft.com/office/powerpoint/2010/main" val="776605688"/>
+                <p14:modId xmlns:p14="http://schemas.microsoft.com/office/powerpoint/2010/main" val="2980463027"/>
               </p:ext>
             </p:extLst>
           </p:nvPr>

--- a/pockels rotations contrast figure/pockels-rotations.pptx
+++ b/pockels rotations contrast figure/pockels-rotations.pptx
@@ -133,7 +133,7 @@
           <a:lstStyle/>
           <a:p>
             <a:pPr>
-              <a:defRPr sz="2400" b="0" i="0" u="none" strike="noStrike" kern="1200" spc="0" baseline="0">
+              <a:defRPr sz="1920" b="0" i="0" u="none" strike="noStrike" kern="1200" spc="0" baseline="0">
                 <a:solidFill>
                   <a:schemeClr val="tx1"/>
                 </a:solidFill>
@@ -143,7 +143,7 @@
               </a:defRPr>
             </a:pPr>
             <a:r>
-              <a:rPr lang="en-GB" dirty="0">
+              <a:rPr lang="en-GB">
                 <a:solidFill>
                   <a:schemeClr val="tx1"/>
                 </a:solidFill>
@@ -166,7 +166,7 @@
         <a:lstStyle/>
         <a:p>
           <a:pPr>
-            <a:defRPr sz="2400" b="0" i="0" u="none" strike="noStrike" kern="1200" spc="0" baseline="0">
+            <a:defRPr sz="1920" b="0" i="0" u="none" strike="noStrike" kern="1200" spc="0" baseline="0">
               <a:solidFill>
                 <a:schemeClr val="tx1"/>
               </a:solidFill>
@@ -566,11 +566,11 @@
           <a:effectLst/>
         </c:spPr>
         <c:txPr>
-          <a:bodyPr rot="-60000000" spcFirstLastPara="1" vertOverflow="ellipsis" vert="horz" wrap="square" anchor="ctr" anchorCtr="1"/>
+          <a:bodyPr rot="-60000000" spcFirstLastPara="1" vertOverflow="ellipsis" vert="horz" wrap="square" anchor="t" anchorCtr="0"/>
           <a:lstStyle/>
           <a:p>
             <a:pPr>
-              <a:defRPr sz="2000" b="0" i="0" u="none" strike="noStrike" kern="1200" baseline="0">
+              <a:defRPr sz="1600" b="0" i="0" u="none" strike="noStrike" kern="1200" baseline="0">
                 <a:solidFill>
                   <a:schemeClr val="tx1">
                     <a:lumMod val="65000"/>
@@ -621,7 +621,7 @@
               <a:lstStyle/>
               <a:p>
                 <a:pPr>
-                  <a:defRPr sz="2000" b="0" i="0" u="none" strike="noStrike" kern="1200" baseline="0">
+                  <a:defRPr sz="1600" b="0" i="0" u="none" strike="noStrike" kern="1200" baseline="0">
                     <a:solidFill>
                       <a:schemeClr val="tx1">
                         <a:lumMod val="65000"/>
@@ -653,7 +653,7 @@
             <a:lstStyle/>
             <a:p>
               <a:pPr>
-                <a:defRPr sz="2000" b="0" i="0" u="none" strike="noStrike" kern="1200" baseline="0">
+                <a:defRPr sz="1600" b="0" i="0" u="none" strike="noStrike" kern="1200" baseline="0">
                   <a:solidFill>
                     <a:schemeClr val="tx1">
                       <a:lumMod val="65000"/>
@@ -685,7 +685,7 @@
           <a:lstStyle/>
           <a:p>
             <a:pPr>
-              <a:defRPr sz="2000" b="0" i="0" u="none" strike="noStrike" kern="1200" baseline="0">
+              <a:defRPr sz="1600" b="0" i="0" u="none" strike="noStrike" kern="1200" baseline="0">
                 <a:solidFill>
                   <a:schemeClr val="tx1">
                     <a:lumMod val="65000"/>
@@ -720,7 +720,7 @@
           <c:xMode val="edge"/>
           <c:yMode val="edge"/>
           <c:x val="0.49960286850280539"/>
-          <c:y val="0.9120974777315487"/>
+          <c:y val="0.92181830811243481"/>
           <c:w val="0.26609677074534271"/>
           <c:h val="7.3321276697122073E-2"/>
         </c:manualLayout>
@@ -738,7 +738,7 @@
         <a:lstStyle/>
         <a:p>
           <a:pPr>
-            <a:defRPr sz="2000" b="0" i="0" u="none" strike="noStrike" kern="1200" baseline="0">
+            <a:defRPr sz="1600" b="0" i="0" u="none" strike="noStrike" kern="1200" baseline="0">
               <a:solidFill>
                 <a:schemeClr val="tx1">
                   <a:lumMod val="65000"/>
@@ -777,7 +777,7 @@
     <a:lstStyle/>
     <a:p>
       <a:pPr>
-        <a:defRPr sz="2000"/>
+        <a:defRPr sz="1600"/>
       </a:pPr>
       <a:endParaRPr lang="en-US"/>
     </a:p>
@@ -1462,7 +1462,7 @@
           <a:p>
             <a:fld id="{7B2E4223-C3C8-436A-A528-F8332768A524}" type="datetimeFigureOut">
               <a:rPr lang="en-GB" smtClean="0"/>
-              <a:t>04/11/2018</a:t>
+              <a:t>18/12/2018</a:t>
             </a:fld>
             <a:endParaRPr lang="en-GB"/>
           </a:p>
@@ -1632,7 +1632,7 @@
           <a:p>
             <a:fld id="{7B2E4223-C3C8-436A-A528-F8332768A524}" type="datetimeFigureOut">
               <a:rPr lang="en-GB" smtClean="0"/>
-              <a:t>04/11/2018</a:t>
+              <a:t>18/12/2018</a:t>
             </a:fld>
             <a:endParaRPr lang="en-GB"/>
           </a:p>
@@ -1812,7 +1812,7 @@
           <a:p>
             <a:fld id="{7B2E4223-C3C8-436A-A528-F8332768A524}" type="datetimeFigureOut">
               <a:rPr lang="en-GB" smtClean="0"/>
-              <a:t>04/11/2018</a:t>
+              <a:t>18/12/2018</a:t>
             </a:fld>
             <a:endParaRPr lang="en-GB"/>
           </a:p>
@@ -1982,7 +1982,7 @@
           <a:p>
             <a:fld id="{7B2E4223-C3C8-436A-A528-F8332768A524}" type="datetimeFigureOut">
               <a:rPr lang="en-GB" smtClean="0"/>
-              <a:t>04/11/2018</a:t>
+              <a:t>18/12/2018</a:t>
             </a:fld>
             <a:endParaRPr lang="en-GB"/>
           </a:p>
@@ -2228,7 +2228,7 @@
           <a:p>
             <a:fld id="{7B2E4223-C3C8-436A-A528-F8332768A524}" type="datetimeFigureOut">
               <a:rPr lang="en-GB" smtClean="0"/>
-              <a:t>04/11/2018</a:t>
+              <a:t>18/12/2018</a:t>
             </a:fld>
             <a:endParaRPr lang="en-GB"/>
           </a:p>
@@ -2460,7 +2460,7 @@
           <a:p>
             <a:fld id="{7B2E4223-C3C8-436A-A528-F8332768A524}" type="datetimeFigureOut">
               <a:rPr lang="en-GB" smtClean="0"/>
-              <a:t>04/11/2018</a:t>
+              <a:t>18/12/2018</a:t>
             </a:fld>
             <a:endParaRPr lang="en-GB"/>
           </a:p>
@@ -2827,7 +2827,7 @@
           <a:p>
             <a:fld id="{7B2E4223-C3C8-436A-A528-F8332768A524}" type="datetimeFigureOut">
               <a:rPr lang="en-GB" smtClean="0"/>
-              <a:t>04/11/2018</a:t>
+              <a:t>18/12/2018</a:t>
             </a:fld>
             <a:endParaRPr lang="en-GB"/>
           </a:p>
@@ -2945,7 +2945,7 @@
           <a:p>
             <a:fld id="{7B2E4223-C3C8-436A-A528-F8332768A524}" type="datetimeFigureOut">
               <a:rPr lang="en-GB" smtClean="0"/>
-              <a:t>04/11/2018</a:t>
+              <a:t>18/12/2018</a:t>
             </a:fld>
             <a:endParaRPr lang="en-GB"/>
           </a:p>
@@ -3040,7 +3040,7 @@
           <a:p>
             <a:fld id="{7B2E4223-C3C8-436A-A528-F8332768A524}" type="datetimeFigureOut">
               <a:rPr lang="en-GB" smtClean="0"/>
-              <a:t>04/11/2018</a:t>
+              <a:t>18/12/2018</a:t>
             </a:fld>
             <a:endParaRPr lang="en-GB"/>
           </a:p>
@@ -3317,7 +3317,7 @@
           <a:p>
             <a:fld id="{7B2E4223-C3C8-436A-A528-F8332768A524}" type="datetimeFigureOut">
               <a:rPr lang="en-GB" smtClean="0"/>
-              <a:t>04/11/2018</a:t>
+              <a:t>18/12/2018</a:t>
             </a:fld>
             <a:endParaRPr lang="en-GB"/>
           </a:p>
@@ -3574,7 +3574,7 @@
           <a:p>
             <a:fld id="{7B2E4223-C3C8-436A-A528-F8332768A524}" type="datetimeFigureOut">
               <a:rPr lang="en-GB" smtClean="0"/>
-              <a:t>04/11/2018</a:t>
+              <a:t>18/12/2018</a:t>
             </a:fld>
             <a:endParaRPr lang="en-GB"/>
           </a:p>
@@ -3787,7 +3787,7 @@
           <a:p>
             <a:fld id="{7B2E4223-C3C8-436A-A528-F8332768A524}" type="datetimeFigureOut">
               <a:rPr lang="en-GB" smtClean="0"/>
-              <a:t>04/11/2018</a:t>
+              <a:t>18/12/2018</a:t>
             </a:fld>
             <a:endParaRPr lang="en-GB"/>
           </a:p>
@@ -4207,7 +4207,7 @@
           <p:nvPr>
             <p:extLst>
               <p:ext uri="{D42A27DB-BD31-4B8C-83A1-F6EECF244321}">
-                <p14:modId xmlns:p14="http://schemas.microsoft.com/office/powerpoint/2010/main" val="2980463027"/>
+                <p14:modId xmlns:p14="http://schemas.microsoft.com/office/powerpoint/2010/main" val="4149492699"/>
               </p:ext>
             </p:extLst>
           </p:nvPr>
@@ -4236,8 +4236,8 @@
         </p:nvSpPr>
         <p:spPr>
           <a:xfrm>
-            <a:off x="2689860" y="4716780"/>
-            <a:ext cx="1870869" cy="400110"/>
+            <a:off x="2352258" y="4799964"/>
+            <a:ext cx="2420503" cy="338554"/>
           </a:xfrm>
           <a:prstGeom prst="rect">
             <a:avLst/>
@@ -4252,7 +4252,7 @@
           <a:p>
             <a:pPr algn="r"/>
             <a:r>
-              <a:rPr lang="en-GB" sz="2000" dirty="0">
+              <a:rPr lang="en-GB" sz="1600" dirty="0">
                 <a:solidFill>
                   <a:schemeClr val="tx1">
                     <a:lumMod val="60000"/>
@@ -4260,7 +4260,7 @@
                   </a:schemeClr>
                 </a:solidFill>
               </a:rPr>
-              <a:t>Wavelength:</a:t>
+              <a:t>Wavelength (nm):</a:t>
             </a:r>
           </a:p>
         </p:txBody>
